--- a/OS/Lections/Лекция 6 - Диспетчеризация.pptx
+++ b/OS/Lections/Лекция 6 - Диспетчеризация.pptx
@@ -426,7 +426,7 @@
           <a:p>
             <a:fld id="{A9E1C54A-6947-426C-B525-F25AAC6D8000}" type="datetimeFigureOut">
               <a:rPr lang="LID4096" smtClean="0"/>
-              <a:t>10/26/2025</a:t>
+              <a:t>12/19/2025</a:t>
             </a:fld>
             <a:endParaRPr lang="LID4096"/>
           </a:p>
@@ -927,7 +927,7 @@
           <a:p>
             <a:fld id="{D94700BE-7692-4207-B54B-A48E0B87749C}" type="datetimeFigureOut">
               <a:rPr lang="LID4096" smtClean="0"/>
-              <a:t>10/26/2025</a:t>
+              <a:t>12/19/2025</a:t>
             </a:fld>
             <a:endParaRPr lang="LID4096"/>
           </a:p>
@@ -1127,7 +1127,7 @@
           <a:p>
             <a:fld id="{D94700BE-7692-4207-B54B-A48E0B87749C}" type="datetimeFigureOut">
               <a:rPr lang="LID4096" smtClean="0"/>
-              <a:t>10/26/2025</a:t>
+              <a:t>12/19/2025</a:t>
             </a:fld>
             <a:endParaRPr lang="LID4096"/>
           </a:p>
@@ -1337,7 +1337,7 @@
           <a:p>
             <a:fld id="{D94700BE-7692-4207-B54B-A48E0B87749C}" type="datetimeFigureOut">
               <a:rPr lang="LID4096" smtClean="0"/>
-              <a:t>10/26/2025</a:t>
+              <a:t>12/19/2025</a:t>
             </a:fld>
             <a:endParaRPr lang="LID4096"/>
           </a:p>
@@ -1537,7 +1537,7 @@
           <a:p>
             <a:fld id="{D94700BE-7692-4207-B54B-A48E0B87749C}" type="datetimeFigureOut">
               <a:rPr lang="LID4096" smtClean="0"/>
-              <a:t>10/26/2025</a:t>
+              <a:t>12/19/2025</a:t>
             </a:fld>
             <a:endParaRPr lang="LID4096"/>
           </a:p>
@@ -1813,7 +1813,7 @@
           <a:p>
             <a:fld id="{D94700BE-7692-4207-B54B-A48E0B87749C}" type="datetimeFigureOut">
               <a:rPr lang="LID4096" smtClean="0"/>
-              <a:t>10/26/2025</a:t>
+              <a:t>12/19/2025</a:t>
             </a:fld>
             <a:endParaRPr lang="LID4096"/>
           </a:p>
@@ -2081,7 +2081,7 @@
           <a:p>
             <a:fld id="{D94700BE-7692-4207-B54B-A48E0B87749C}" type="datetimeFigureOut">
               <a:rPr lang="LID4096" smtClean="0"/>
-              <a:t>10/26/2025</a:t>
+              <a:t>12/19/2025</a:t>
             </a:fld>
             <a:endParaRPr lang="LID4096"/>
           </a:p>
@@ -2496,7 +2496,7 @@
           <a:p>
             <a:fld id="{D94700BE-7692-4207-B54B-A48E0B87749C}" type="datetimeFigureOut">
               <a:rPr lang="LID4096" smtClean="0"/>
-              <a:t>10/26/2025</a:t>
+              <a:t>12/19/2025</a:t>
             </a:fld>
             <a:endParaRPr lang="LID4096"/>
           </a:p>
@@ -2638,7 +2638,7 @@
           <a:p>
             <a:fld id="{D94700BE-7692-4207-B54B-A48E0B87749C}" type="datetimeFigureOut">
               <a:rPr lang="LID4096" smtClean="0"/>
-              <a:t>10/26/2025</a:t>
+              <a:t>12/19/2025</a:t>
             </a:fld>
             <a:endParaRPr lang="LID4096"/>
           </a:p>
@@ -2751,7 +2751,7 @@
           <a:p>
             <a:fld id="{D94700BE-7692-4207-B54B-A48E0B87749C}" type="datetimeFigureOut">
               <a:rPr lang="LID4096" smtClean="0"/>
-              <a:t>10/26/2025</a:t>
+              <a:t>12/19/2025</a:t>
             </a:fld>
             <a:endParaRPr lang="LID4096"/>
           </a:p>
@@ -3064,7 +3064,7 @@
           <a:p>
             <a:fld id="{D94700BE-7692-4207-B54B-A48E0B87749C}" type="datetimeFigureOut">
               <a:rPr lang="LID4096" smtClean="0"/>
-              <a:t>10/26/2025</a:t>
+              <a:t>12/19/2025</a:t>
             </a:fld>
             <a:endParaRPr lang="LID4096"/>
           </a:p>
@@ -3353,7 +3353,7 @@
           <a:p>
             <a:fld id="{D94700BE-7692-4207-B54B-A48E0B87749C}" type="datetimeFigureOut">
               <a:rPr lang="LID4096" smtClean="0"/>
-              <a:t>10/26/2025</a:t>
+              <a:t>12/19/2025</a:t>
             </a:fld>
             <a:endParaRPr lang="LID4096"/>
           </a:p>
@@ -3596,7 +3596,7 @@
           <a:p>
             <a:fld id="{D94700BE-7692-4207-B54B-A48E0B87749C}" type="datetimeFigureOut">
               <a:rPr lang="LID4096" smtClean="0"/>
-              <a:t>10/26/2025</a:t>
+              <a:t>12/19/2025</a:t>
             </a:fld>
             <a:endParaRPr lang="LID4096"/>
           </a:p>
@@ -4267,7 +4267,7 @@
         </p:nvSpPr>
         <p:spPr>
           <a:xfrm>
-            <a:off x="838199" y="1494691"/>
+            <a:off x="838199" y="1486453"/>
             <a:ext cx="10474453" cy="4998183"/>
           </a:xfrm>
         </p:spPr>
@@ -4324,21 +4324,7 @@
                 <a:latin typeface="Cambria" panose="02040503050406030204" pitchFamily="18" charset="0"/>
                 <a:ea typeface="Cambria" panose="02040503050406030204" pitchFamily="18" charset="0"/>
               </a:rPr>
-              <a:t>Поскольку в регистр-счетчик команд из контекста заносится адрес очередной подлежащей выполнению команды активизируемого процесса, то процессор переходит к выполнению кода </a:t>
-            </a:r>
-            <a:r>
-              <a:rPr lang="ru-RU">
-                <a:latin typeface="Cambria" panose="02040503050406030204" pitchFamily="18" charset="0"/>
-                <a:ea typeface="Cambria" panose="02040503050406030204" pitchFamily="18" charset="0"/>
-              </a:rPr>
-              <a:t>нового процесса </a:t>
-            </a:r>
-            <a:r>
-              <a:rPr lang="ru-RU" dirty="0">
-                <a:latin typeface="Cambria" panose="02040503050406030204" pitchFamily="18" charset="0"/>
-                <a:ea typeface="Cambria" panose="02040503050406030204" pitchFamily="18" charset="0"/>
-              </a:rPr>
-              <a:t>точно с того места, где оно было прервано</a:t>
+              <a:t>Поскольку в регистр-счетчик команд из контекста заносится адрес очередной подлежащей выполнению команды активизируемого процесса, то процессор переходит к выполнению кода нового процесса точно с того места, где оно было прервано</a:t>
             </a:r>
           </a:p>
         </p:txBody>
